--- a/Model_comparison.pptx
+++ b/Model_comparison.pptx
@@ -109,6 +109,11 @@
       </a:defRPr>
     </a:lvl9pPr>
   </p:defaultTextStyle>
+  <p:extLst>
+    <p:ext uri="{EFAFB233-063F-42B5-8137-9DF3F51BA10A}">
+      <p15:sldGuideLst xmlns:p15="http://schemas.microsoft.com/office/powerpoint/2012/main"/>
+    </p:ext>
+  </p:extLst>
 </p:presentation>
 </file>
 
@@ -259,7 +264,7 @@
           <a:p>
             <a:fld id="{D8FA41F1-EAD9-4560-A591-EF9AC0DAC94E}" type="datetimeFigureOut">
               <a:rPr lang="ko-KR" altLang="en-US" smtClean="0"/>
-              <a:t>2020-09-19</a:t>
+              <a:t>2020-09-20</a:t>
             </a:fld>
             <a:endParaRPr lang="ko-KR" altLang="en-US"/>
           </a:p>
@@ -457,7 +462,7 @@
           <a:p>
             <a:fld id="{D8FA41F1-EAD9-4560-A591-EF9AC0DAC94E}" type="datetimeFigureOut">
               <a:rPr lang="ko-KR" altLang="en-US" smtClean="0"/>
-              <a:t>2020-09-19</a:t>
+              <a:t>2020-09-20</a:t>
             </a:fld>
             <a:endParaRPr lang="ko-KR" altLang="en-US"/>
           </a:p>
@@ -665,7 +670,7 @@
           <a:p>
             <a:fld id="{D8FA41F1-EAD9-4560-A591-EF9AC0DAC94E}" type="datetimeFigureOut">
               <a:rPr lang="ko-KR" altLang="en-US" smtClean="0"/>
-              <a:t>2020-09-19</a:t>
+              <a:t>2020-09-20</a:t>
             </a:fld>
             <a:endParaRPr lang="ko-KR" altLang="en-US"/>
           </a:p>
@@ -863,7 +868,7 @@
           <a:p>
             <a:fld id="{D8FA41F1-EAD9-4560-A591-EF9AC0DAC94E}" type="datetimeFigureOut">
               <a:rPr lang="ko-KR" altLang="en-US" smtClean="0"/>
-              <a:t>2020-09-19</a:t>
+              <a:t>2020-09-20</a:t>
             </a:fld>
             <a:endParaRPr lang="ko-KR" altLang="en-US"/>
           </a:p>
@@ -1138,7 +1143,7 @@
           <a:p>
             <a:fld id="{D8FA41F1-EAD9-4560-A591-EF9AC0DAC94E}" type="datetimeFigureOut">
               <a:rPr lang="ko-KR" altLang="en-US" smtClean="0"/>
-              <a:t>2020-09-19</a:t>
+              <a:t>2020-09-20</a:t>
             </a:fld>
             <a:endParaRPr lang="ko-KR" altLang="en-US"/>
           </a:p>
@@ -1403,7 +1408,7 @@
           <a:p>
             <a:fld id="{D8FA41F1-EAD9-4560-A591-EF9AC0DAC94E}" type="datetimeFigureOut">
               <a:rPr lang="ko-KR" altLang="en-US" smtClean="0"/>
-              <a:t>2020-09-19</a:t>
+              <a:t>2020-09-20</a:t>
             </a:fld>
             <a:endParaRPr lang="ko-KR" altLang="en-US"/>
           </a:p>
@@ -1815,7 +1820,7 @@
           <a:p>
             <a:fld id="{D8FA41F1-EAD9-4560-A591-EF9AC0DAC94E}" type="datetimeFigureOut">
               <a:rPr lang="ko-KR" altLang="en-US" smtClean="0"/>
-              <a:t>2020-09-19</a:t>
+              <a:t>2020-09-20</a:t>
             </a:fld>
             <a:endParaRPr lang="ko-KR" altLang="en-US"/>
           </a:p>
@@ -1956,7 +1961,7 @@
           <a:p>
             <a:fld id="{D8FA41F1-EAD9-4560-A591-EF9AC0DAC94E}" type="datetimeFigureOut">
               <a:rPr lang="ko-KR" altLang="en-US" smtClean="0"/>
-              <a:t>2020-09-19</a:t>
+              <a:t>2020-09-20</a:t>
             </a:fld>
             <a:endParaRPr lang="ko-KR" altLang="en-US"/>
           </a:p>
@@ -2069,7 +2074,7 @@
           <a:p>
             <a:fld id="{D8FA41F1-EAD9-4560-A591-EF9AC0DAC94E}" type="datetimeFigureOut">
               <a:rPr lang="ko-KR" altLang="en-US" smtClean="0"/>
-              <a:t>2020-09-19</a:t>
+              <a:t>2020-09-20</a:t>
             </a:fld>
             <a:endParaRPr lang="ko-KR" altLang="en-US"/>
           </a:p>
@@ -2380,7 +2385,7 @@
           <a:p>
             <a:fld id="{D8FA41F1-EAD9-4560-A591-EF9AC0DAC94E}" type="datetimeFigureOut">
               <a:rPr lang="ko-KR" altLang="en-US" smtClean="0"/>
-              <a:t>2020-09-19</a:t>
+              <a:t>2020-09-20</a:t>
             </a:fld>
             <a:endParaRPr lang="ko-KR" altLang="en-US"/>
           </a:p>
@@ -2668,7 +2673,7 @@
           <a:p>
             <a:fld id="{D8FA41F1-EAD9-4560-A591-EF9AC0DAC94E}" type="datetimeFigureOut">
               <a:rPr lang="ko-KR" altLang="en-US" smtClean="0"/>
-              <a:t>2020-09-19</a:t>
+              <a:t>2020-09-20</a:t>
             </a:fld>
             <a:endParaRPr lang="ko-KR" altLang="en-US"/>
           </a:p>
@@ -2909,7 +2914,7 @@
           <a:p>
             <a:fld id="{D8FA41F1-EAD9-4560-A591-EF9AC0DAC94E}" type="datetimeFigureOut">
               <a:rPr lang="ko-KR" altLang="en-US" smtClean="0"/>
-              <a:t>2020-09-19</a:t>
+              <a:t>2020-09-20</a:t>
             </a:fld>
             <a:endParaRPr lang="ko-KR" altLang="en-US"/>
           </a:p>
@@ -4478,7 +4483,7 @@
         </p:blipFill>
         <p:spPr>
           <a:xfrm>
-            <a:off x="2008095" y="2661872"/>
+            <a:off x="1742875" y="2572381"/>
             <a:ext cx="8467031" cy="3923172"/>
           </a:xfrm>
           <a:prstGeom prst="rect">
@@ -5021,7 +5026,21 @@
                 <a:effectLst/>
                 <a:latin typeface="+mj-lt"/>
               </a:rPr>
-              <a:t> : 98.05%</a:t>
+              <a:t> </a:t>
+            </a:r>
+            <a:r>
+              <a:rPr lang="en-US" altLang="ko-KR" sz="2000" i="0">
+                <a:effectLst/>
+                <a:latin typeface="+mj-lt"/>
+              </a:rPr>
+              <a:t>: 97.65</a:t>
+            </a:r>
+            <a:r>
+              <a:rPr lang="en-US" altLang="ko-KR" sz="2000" i="0" dirty="0">
+                <a:effectLst/>
+                <a:latin typeface="+mj-lt"/>
+              </a:rPr>
+              <a:t>%</a:t>
             </a:r>
             <a:endParaRPr lang="ko-KR" altLang="en-US" sz="2000" i="0" dirty="0">
               <a:effectLst/>
@@ -5584,10 +5603,10 @@
       </p:pic>
       <p:pic>
         <p:nvPicPr>
-          <p:cNvPr id="23" name="그림 22">
-            <a:extLst>
-              <a:ext uri="{FF2B5EF4-FFF2-40B4-BE49-F238E27FC236}">
-                <a16:creationId xmlns:a16="http://schemas.microsoft.com/office/drawing/2014/main" id="{6E9BA25B-67BB-40A5-9D0B-5ED1CC74A34E}"/>
+          <p:cNvPr id="6" name="그림 5" descr="스크린샷이(가) 표시된 사진&#10;&#10;자동 생성된 설명">
+            <a:extLst>
+              <a:ext uri="{FF2B5EF4-FFF2-40B4-BE49-F238E27FC236}">
+                <a16:creationId xmlns:a16="http://schemas.microsoft.com/office/drawing/2014/main" id="{00CE41ED-BD59-4C84-B3A0-F66F5F5389AA}"/>
               </a:ext>
             </a:extLst>
           </p:cNvPr>
@@ -5610,8 +5629,8 @@
         </p:blipFill>
         <p:spPr>
           <a:xfrm>
-            <a:off x="3804558" y="1575058"/>
-            <a:ext cx="4422275" cy="3350236"/>
+            <a:off x="3804558" y="1627360"/>
+            <a:ext cx="4233013" cy="3236868"/>
           </a:xfrm>
           <a:prstGeom prst="rect">
             <a:avLst/>
